--- a/세미나/3월 3주차 (김형래).pptx
+++ b/세미나/3월 3주차 (김형래).pptx
@@ -265,7 +265,7 @@
                 <a:ea typeface="나눔스퀘어" panose="020B0600000101010101" pitchFamily="50" charset="-127"/>
               </a:rPr>
               <a:pPr/>
-              <a:t>2019-03-20</a:t>
+              <a:t>2019-03-22</a:t>
             </a:fld>
             <a:endParaRPr lang="ko-KR" altLang="en-US" dirty="0">
               <a:latin typeface="나눔스퀘어" panose="020B0600000101010101" pitchFamily="50" charset="-127"/>
@@ -864,7 +864,7 @@
           <a:p>
             <a:fld id="{F5843DA5-2861-4D49-A0BB-676E00398919}" type="datetimeFigureOut">
               <a:rPr lang="ko-KR" altLang="en-US" smtClean="0"/>
-              <a:t>2019-03-20</a:t>
+              <a:t>2019-03-22</a:t>
             </a:fld>
             <a:endParaRPr lang="ko-KR" altLang="en-US"/>
           </a:p>
@@ -1170,7 +1170,7 @@
             <a:fld id="{1A74E5E4-A585-4486-9774-7B8502B6BACE}" type="datetimeFigureOut">
               <a:rPr lang="ko-KR" altLang="en-US" smtClean="0"/>
               <a:pPr/>
-              <a:t>2019-03-20</a:t>
+              <a:t>2019-03-22</a:t>
             </a:fld>
             <a:endParaRPr lang="ko-KR" altLang="en-US" dirty="0"/>
           </a:p>
@@ -1350,7 +1350,7 @@
             <a:fld id="{1A74E5E4-A585-4486-9774-7B8502B6BACE}" type="datetimeFigureOut">
               <a:rPr lang="ko-KR" altLang="en-US" smtClean="0"/>
               <a:pPr/>
-              <a:t>2019-03-20</a:t>
+              <a:t>2019-03-22</a:t>
             </a:fld>
             <a:endParaRPr lang="ko-KR" altLang="en-US" dirty="0"/>
           </a:p>
@@ -1447,7 +1447,7 @@
             <a:fld id="{1A74E5E4-A585-4486-9774-7B8502B6BACE}" type="datetimeFigureOut">
               <a:rPr lang="ko-KR" altLang="en-US" smtClean="0"/>
               <a:pPr/>
-              <a:t>2019-03-20</a:t>
+              <a:t>2019-03-22</a:t>
             </a:fld>
             <a:endParaRPr lang="ko-KR" altLang="en-US" dirty="0"/>
           </a:p>
@@ -1721,7 +1721,7 @@
             <a:fld id="{1A74E5E4-A585-4486-9774-7B8502B6BACE}" type="datetimeFigureOut">
               <a:rPr lang="ko-KR" altLang="en-US" smtClean="0"/>
               <a:pPr/>
-              <a:t>2019-03-20</a:t>
+              <a:t>2019-03-22</a:t>
             </a:fld>
             <a:endParaRPr lang="ko-KR" altLang="en-US" dirty="0"/>
           </a:p>
@@ -2150,7 +2150,7 @@
             <a:fld id="{1A74E5E4-A585-4486-9774-7B8502B6BACE}" type="datetimeFigureOut">
               <a:rPr lang="ko-KR" altLang="en-US" smtClean="0"/>
               <a:pPr/>
-              <a:t>2019-03-20</a:t>
+              <a:t>2019-03-22</a:t>
             </a:fld>
             <a:endParaRPr lang="ko-KR" altLang="en-US" dirty="0"/>
           </a:p>
@@ -2469,7 +2469,7 @@
             <a:fld id="{1A74E5E4-A585-4486-9774-7B8502B6BACE}" type="datetimeFigureOut">
               <a:rPr lang="ko-KR" altLang="en-US" smtClean="0"/>
               <a:pPr/>
-              <a:t>2019-03-20</a:t>
+              <a:t>2019-03-22</a:t>
             </a:fld>
             <a:endParaRPr lang="ko-KR" altLang="en-US" dirty="0"/>
           </a:p>
@@ -2914,7 +2914,7 @@
             <a:fld id="{1A74E5E4-A585-4486-9774-7B8502B6BACE}" type="datetimeFigureOut">
               <a:rPr lang="ko-KR" altLang="en-US" smtClean="0"/>
               <a:pPr/>
-              <a:t>2019-03-20</a:t>
+              <a:t>2019-03-22</a:t>
             </a:fld>
             <a:endParaRPr lang="ko-KR" altLang="en-US" dirty="0"/>
           </a:p>
@@ -3352,7 +3352,7 @@
             <a:fld id="{1A74E5E4-A585-4486-9774-7B8502B6BACE}" type="datetimeFigureOut">
               <a:rPr lang="ko-KR" altLang="en-US" smtClean="0"/>
               <a:pPr/>
-              <a:t>2019-03-20</a:t>
+              <a:t>2019-03-22</a:t>
             </a:fld>
             <a:endParaRPr lang="ko-KR" altLang="en-US" dirty="0"/>
           </a:p>
@@ -3543,7 +3543,7 @@
             <a:fld id="{1A74E5E4-A585-4486-9774-7B8502B6BACE}" type="datetimeFigureOut">
               <a:rPr lang="ko-KR" altLang="en-US" smtClean="0"/>
               <a:pPr/>
-              <a:t>2019-03-20</a:t>
+              <a:t>2019-03-22</a:t>
             </a:fld>
             <a:endParaRPr lang="ko-KR" altLang="en-US" dirty="0"/>
           </a:p>
@@ -3712,7 +3712,7 @@
             <a:fld id="{1A74E5E4-A585-4486-9774-7B8502B6BACE}" type="datetimeFigureOut">
               <a:rPr lang="ko-KR" altLang="en-US" smtClean="0"/>
               <a:pPr/>
-              <a:t>2019-03-20</a:t>
+              <a:t>2019-03-22</a:t>
             </a:fld>
             <a:endParaRPr lang="ko-KR" altLang="en-US" dirty="0"/>
           </a:p>
@@ -4061,7 +4061,7 @@
             <a:fld id="{1A74E5E4-A585-4486-9774-7B8502B6BACE}" type="datetimeFigureOut">
               <a:rPr lang="ko-KR" altLang="en-US" smtClean="0"/>
               <a:pPr/>
-              <a:t>2019-03-20</a:t>
+              <a:t>2019-03-22</a:t>
             </a:fld>
             <a:endParaRPr lang="ko-KR" altLang="en-US" dirty="0"/>
           </a:p>
@@ -4387,7 +4387,7 @@
             <a:fld id="{1A74E5E4-A585-4486-9774-7B8502B6BACE}" type="datetimeFigureOut">
               <a:rPr lang="ko-KR" altLang="en-US" smtClean="0"/>
               <a:pPr/>
-              <a:t>2019-03-20</a:t>
+              <a:t>2019-03-22</a:t>
             </a:fld>
             <a:endParaRPr lang="ko-KR" altLang="en-US" dirty="0"/>
           </a:p>
@@ -4602,7 +4602,7 @@
             <a:fld id="{1A74E5E4-A585-4486-9774-7B8502B6BACE}" type="datetimeFigureOut">
               <a:rPr lang="ko-KR" altLang="en-US" smtClean="0"/>
               <a:pPr/>
-              <a:t>2019-03-20</a:t>
+              <a:t>2019-03-22</a:t>
             </a:fld>
             <a:endParaRPr lang="ko-KR" altLang="en-US" dirty="0"/>
           </a:p>
@@ -6956,7 +6956,7 @@
                 <a:latin typeface="나눔스퀘어" panose="020B0600000101010101" pitchFamily="50" charset="-127"/>
                 <a:ea typeface="나눔스퀘어" panose="020B0600000101010101" pitchFamily="50" charset="-127"/>
               </a:rPr>
-              <a:t> 3</a:t>
+              <a:t> 5</a:t>
             </a:r>
             <a:r>
               <a:rPr lang="ko-KR" altLang="en-US" sz="1100" b="1" dirty="0">
@@ -7115,8 +7115,8 @@
         </p:nvSpPr>
         <p:spPr>
           <a:xfrm>
-            <a:off x="199553" y="3139366"/>
-            <a:ext cx="5563571" cy="756236"/>
+            <a:off x="207542" y="2593630"/>
+            <a:ext cx="5563571" cy="1053669"/>
           </a:xfrm>
           <a:prstGeom prst="rightArrow">
             <a:avLst/>
@@ -7221,104 +7221,6 @@
               </a:rPr>
               <a:t>논문과 공부한 모델을 직접 적용하기</a:t>
             </a:r>
-          </a:p>
-        </p:txBody>
-      </p:sp>
-      <p:sp>
-        <p:nvSpPr>
-          <p:cNvPr id="43" name="오른쪽 화살표 46">
-            <a:extLst>
-              <a:ext uri="{FF2B5EF4-FFF2-40B4-BE49-F238E27FC236}">
-                <a16:creationId xmlns:a16="http://schemas.microsoft.com/office/drawing/2014/main" id="{FBAD0579-FDF3-4CC8-B7D3-1266D613462D}"/>
-              </a:ext>
-            </a:extLst>
-          </p:cNvPr>
-          <p:cNvSpPr/>
-          <p:nvPr/>
-        </p:nvSpPr>
-        <p:spPr>
-          <a:xfrm>
-            <a:off x="209843" y="2233691"/>
-            <a:ext cx="5561270" cy="756236"/>
-          </a:xfrm>
-          <a:prstGeom prst="rightArrow">
-            <a:avLst/>
-          </a:prstGeom>
-          <a:solidFill>
-            <a:schemeClr val="bg2">
-              <a:lumMod val="75000"/>
-            </a:schemeClr>
-          </a:solidFill>
-          <a:ln>
-            <a:noFill/>
-          </a:ln>
-        </p:spPr>
-        <p:style>
-          <a:lnRef idx="2">
-            <a:schemeClr val="accent3"/>
-          </a:lnRef>
-          <a:fillRef idx="1">
-            <a:schemeClr val="lt1"/>
-          </a:fillRef>
-          <a:effectRef idx="0">
-            <a:schemeClr val="accent3"/>
-          </a:effectRef>
-          <a:fontRef idx="minor">
-            <a:schemeClr val="dk1"/>
-          </a:fontRef>
-        </p:style>
-        <p:txBody>
-          <a:bodyPr lIns="0" rIns="0" rtlCol="0" anchor="ctr"/>
-          <a:lstStyle/>
-          <a:p>
-            <a:pPr algn="ctr"/>
-            <a:r>
-              <a:rPr lang="ko-KR" altLang="en-US" sz="1600" b="1" dirty="0">
-                <a:solidFill>
-                  <a:schemeClr val="tx1"/>
-                </a:solidFill>
-                <a:latin typeface="나눔스퀘어" panose="020B0600000101010101" pitchFamily="50" charset="-127"/>
-                <a:ea typeface="나눔스퀘어" panose="020B0600000101010101" pitchFamily="50" charset="-127"/>
-              </a:rPr>
-              <a:t>한 권으로 끝내는 </a:t>
-            </a:r>
-            <a:r>
-              <a:rPr lang="ko-KR" altLang="en-US" sz="1600" b="1" dirty="0" err="1">
-                <a:solidFill>
-                  <a:schemeClr val="tx1"/>
-                </a:solidFill>
-                <a:latin typeface="나눔스퀘어" panose="020B0600000101010101" pitchFamily="50" charset="-127"/>
-                <a:ea typeface="나눔스퀘어" panose="020B0600000101010101" pitchFamily="50" charset="-127"/>
-              </a:rPr>
-              <a:t>딥러닝</a:t>
-            </a:r>
-            <a:r>
-              <a:rPr lang="ko-KR" altLang="en-US" sz="1600" b="1" dirty="0">
-                <a:solidFill>
-                  <a:schemeClr val="tx1"/>
-                </a:solidFill>
-                <a:latin typeface="나눔스퀘어" panose="020B0600000101010101" pitchFamily="50" charset="-127"/>
-                <a:ea typeface="나눔스퀘어" panose="020B0600000101010101" pitchFamily="50" charset="-127"/>
-              </a:rPr>
-              <a:t> </a:t>
-            </a:r>
-            <a:r>
-              <a:rPr lang="ko-KR" altLang="en-US" sz="1600" b="1" dirty="0" err="1">
-                <a:solidFill>
-                  <a:schemeClr val="tx1"/>
-                </a:solidFill>
-                <a:latin typeface="나눔스퀘어" panose="020B0600000101010101" pitchFamily="50" charset="-127"/>
-                <a:ea typeface="나눔스퀘어" panose="020B0600000101010101" pitchFamily="50" charset="-127"/>
-              </a:rPr>
-              <a:t>텐서플로</a:t>
-            </a:r>
-            <a:endParaRPr lang="ko-KR" altLang="en-US" sz="1600" b="1" dirty="0">
-              <a:solidFill>
-                <a:schemeClr val="tx1"/>
-              </a:solidFill>
-              <a:latin typeface="나눔스퀘어" panose="020B0600000101010101" pitchFamily="50" charset="-127"/>
-              <a:ea typeface="나눔스퀘어" panose="020B0600000101010101" pitchFamily="50" charset="-127"/>
-            </a:endParaRPr>
           </a:p>
         </p:txBody>
       </p:sp>
@@ -7594,74 +7496,69 @@
             <a:endParaRPr lang="en-US" altLang="ko-KR" sz="1700" dirty="0"/>
           </a:p>
           <a:p>
+            <a:pPr marL="685800" lvl="2" indent="0">
+              <a:buNone/>
+            </a:pPr>
+            <a:endParaRPr lang="en-US" altLang="ko-KR" sz="1700" dirty="0"/>
+          </a:p>
+          <a:p>
+            <a:pPr marL="800100" lvl="1" indent="-457200">
+              <a:buAutoNum type="arabicPeriod"/>
+            </a:pPr>
+            <a:r>
+              <a:rPr lang="ko-KR" altLang="en-US" sz="2000" b="1" dirty="0"/>
+              <a:t>인공지능을 위한 수학</a:t>
+            </a:r>
+            <a:endParaRPr lang="en-US" altLang="ko-KR" sz="2000" b="1" dirty="0"/>
+          </a:p>
+          <a:p>
+            <a:pPr lvl="2"/>
+            <a:r>
+              <a:rPr lang="en-US" altLang="ko-KR" sz="1600" dirty="0"/>
+              <a:t>Chapter1 ~ Chapter 3</a:t>
+            </a:r>
+          </a:p>
+          <a:p>
+            <a:pPr marL="800100" lvl="1" indent="-457200">
+              <a:buAutoNum type="arabicPeriod"/>
+            </a:pPr>
+            <a:endParaRPr lang="en-US" altLang="ko-KR" b="1" dirty="0"/>
+          </a:p>
+          <a:p>
+            <a:pPr marL="800100" lvl="1" indent="-457200">
+              <a:buAutoNum type="arabicPeriod"/>
+            </a:pPr>
+            <a:r>
+              <a:rPr lang="en-US" altLang="ko-KR" sz="2000" b="1" dirty="0"/>
+              <a:t>Deep learning with long short-term memory networks for financial </a:t>
+            </a:r>
+            <a:r>
+              <a:rPr lang="ko-KR" altLang="en-US" sz="2000" b="1" dirty="0"/>
+              <a:t>논문 읽고 이해</a:t>
+            </a:r>
+            <a:endParaRPr lang="en-US" altLang="ko-KR" sz="2000" b="1" dirty="0"/>
+          </a:p>
+          <a:p>
+            <a:pPr marL="800100" lvl="1" indent="-457200">
+              <a:buAutoNum type="arabicPeriod"/>
+            </a:pPr>
+            <a:endParaRPr lang="en-US" altLang="ko-KR" sz="2000" b="1" dirty="0"/>
+          </a:p>
+          <a:p>
             <a:pPr marL="800100" lvl="1" indent="-457200">
               <a:buFont typeface="Arial" panose="020B0604020202020204" pitchFamily="34" charset="0"/>
               <a:buAutoNum type="arabicPeriod"/>
             </a:pPr>
             <a:r>
               <a:rPr lang="ko-KR" altLang="en-US" sz="2000" b="1" dirty="0"/>
-              <a:t>한권으로 끝내는 </a:t>
-            </a:r>
-            <a:r>
-              <a:rPr lang="ko-KR" altLang="en-US" sz="2000" b="1" dirty="0" err="1"/>
-              <a:t>딥러닝</a:t>
-            </a:r>
-            <a:r>
-              <a:rPr lang="ko-KR" altLang="en-US" sz="2000" b="1" dirty="0"/>
-              <a:t> </a:t>
-            </a:r>
-            <a:r>
-              <a:rPr lang="ko-KR" altLang="en-US" sz="2000" b="1" dirty="0" err="1"/>
-              <a:t>텐서플로</a:t>
-            </a:r>
-            <a:endParaRPr lang="en-US" altLang="ko-KR" sz="2000" dirty="0"/>
-          </a:p>
-          <a:p>
-            <a:pPr lvl="2"/>
-            <a:r>
-              <a:rPr lang="en-US" altLang="ko-KR" sz="1700" dirty="0"/>
-              <a:t>Chapter1 ~ Chapter 3</a:t>
-            </a:r>
-          </a:p>
-          <a:p>
-            <a:pPr lvl="2"/>
-            <a:endParaRPr lang="en-US" altLang="ko-KR" sz="1700" dirty="0"/>
+              <a:t>논문 쓰기</a:t>
+            </a:r>
+            <a:endParaRPr lang="en-US" altLang="ko-KR" sz="1100" b="1" dirty="0"/>
           </a:p>
           <a:p>
             <a:pPr marL="800100" lvl="1" indent="-457200">
               <a:buAutoNum type="arabicPeriod"/>
             </a:pPr>
-            <a:r>
-              <a:rPr lang="ko-KR" altLang="en-US" sz="2000" b="1" dirty="0"/>
-              <a:t>인공지능을 위한 수학</a:t>
-            </a:r>
-            <a:endParaRPr lang="en-US" altLang="ko-KR" sz="2000" b="1" dirty="0"/>
-          </a:p>
-          <a:p>
-            <a:pPr lvl="2"/>
-            <a:r>
-              <a:rPr lang="en-US" altLang="ko-KR" sz="1600" dirty="0"/>
-              <a:t>Chapter1 ~ Chapter 3</a:t>
-            </a:r>
-          </a:p>
-          <a:p>
-            <a:pPr marL="800100" lvl="1" indent="-457200">
-              <a:buAutoNum type="arabicPeriod"/>
-            </a:pPr>
-            <a:endParaRPr lang="en-US" altLang="ko-KR" b="1" dirty="0"/>
-          </a:p>
-          <a:p>
-            <a:pPr marL="800100" lvl="1" indent="-457200">
-              <a:buAutoNum type="arabicPeriod"/>
-            </a:pPr>
-            <a:r>
-              <a:rPr lang="en-US" altLang="ko-KR" sz="2000" b="1" dirty="0"/>
-              <a:t>Deep learning with long short-term memory networks for financial </a:t>
-            </a:r>
-            <a:r>
-              <a:rPr lang="ko-KR" altLang="en-US" sz="2000" b="1" dirty="0"/>
-              <a:t>논문 읽고 이해</a:t>
-            </a:r>
             <a:endParaRPr lang="en-US" altLang="ko-KR" sz="1600" b="1" dirty="0"/>
           </a:p>
         </p:txBody>
@@ -7756,6 +7653,7 @@
           <a:lstStyle/>
           <a:p>
             <a:pPr marL="800100" lvl="1" indent="-457200">
+              <a:buFont typeface="Arial" panose="020B0604020202020204" pitchFamily="34" charset="0"/>
               <a:buAutoNum type="arabicPeriod"/>
             </a:pPr>
             <a:r>
@@ -7770,7 +7668,10 @@
               <a:rPr lang="ko-KR" altLang="en-US" sz="2000" b="1" dirty="0" err="1"/>
               <a:t>딥러닝</a:t>
             </a:r>
-            <a:endParaRPr lang="en-US" altLang="ko-KR" sz="2000" b="1" dirty="0"/>
+            <a:r>
+              <a:rPr lang="en-US" altLang="ko-KR" sz="2000" b="1" dirty="0"/>
+              <a:t>(~03/27)</a:t>
+            </a:r>
           </a:p>
           <a:p>
             <a:pPr lvl="2"/>
@@ -7786,48 +7687,22 @@
             <a:endParaRPr lang="en-US" altLang="ko-KR" sz="1700" dirty="0"/>
           </a:p>
           <a:p>
+            <a:pPr lvl="2"/>
+            <a:endParaRPr lang="en-US" altLang="ko-KR" sz="1700" dirty="0"/>
+          </a:p>
+          <a:p>
             <a:pPr marL="800100" lvl="1" indent="-457200">
               <a:buFont typeface="Arial" panose="020B0604020202020204" pitchFamily="34" charset="0"/>
               <a:buAutoNum type="arabicPeriod"/>
             </a:pPr>
             <a:r>
               <a:rPr lang="ko-KR" altLang="en-US" sz="2000" b="1" dirty="0"/>
-              <a:t>한권으로 끝내는 </a:t>
-            </a:r>
-            <a:r>
-              <a:rPr lang="ko-KR" altLang="en-US" sz="2000" b="1" dirty="0" err="1"/>
-              <a:t>딥러닝</a:t>
-            </a:r>
-            <a:r>
-              <a:rPr lang="ko-KR" altLang="en-US" sz="2000" b="1" dirty="0"/>
-              <a:t> </a:t>
-            </a:r>
-            <a:r>
-              <a:rPr lang="ko-KR" altLang="en-US" sz="2000" b="1" dirty="0" err="1"/>
-              <a:t>텐서플로</a:t>
-            </a:r>
-            <a:endParaRPr lang="en-US" altLang="ko-KR" sz="2000" dirty="0"/>
-          </a:p>
-          <a:p>
-            <a:pPr lvl="2"/>
-            <a:r>
-              <a:rPr lang="en-US" altLang="ko-KR" sz="1700" dirty="0"/>
-              <a:t>Chapter4</a:t>
-            </a:r>
-          </a:p>
-          <a:p>
-            <a:pPr lvl="2"/>
-            <a:endParaRPr lang="en-US" altLang="ko-KR" sz="1700" dirty="0"/>
-          </a:p>
-          <a:p>
-            <a:pPr marL="800100" lvl="1" indent="-457200">
-              <a:buAutoNum type="arabicPeriod"/>
-            </a:pPr>
-            <a:r>
-              <a:rPr lang="ko-KR" altLang="en-US" sz="2000" b="1" dirty="0"/>
               <a:t>인공지능을 위한 수학</a:t>
             </a:r>
-            <a:endParaRPr lang="en-US" altLang="ko-KR" sz="2000" b="1" dirty="0"/>
+            <a:r>
+              <a:rPr lang="en-US" altLang="ko-KR" sz="2000" b="1" dirty="0"/>
+              <a:t>(~03/27)</a:t>
+            </a:r>
           </a:p>
           <a:p>
             <a:pPr lvl="2"/>
@@ -7852,7 +7727,30 @@
             </a:r>
             <a:r>
               <a:rPr lang="ko-KR" altLang="en-US" sz="2000" b="1" dirty="0"/>
-              <a:t>논문 읽고 이해</a:t>
+              <a:t>논문 읽고 이해 </a:t>
+            </a:r>
+            <a:r>
+              <a:rPr lang="en-US" altLang="ko-KR" sz="2000" b="1" dirty="0"/>
+              <a:t>(~03/27)</a:t>
+            </a:r>
+          </a:p>
+          <a:p>
+            <a:pPr marL="800100" lvl="1" indent="-457200">
+              <a:buAutoNum type="arabicPeriod"/>
+            </a:pPr>
+            <a:endParaRPr lang="en-US" altLang="ko-KR" sz="2000" b="1" dirty="0"/>
+          </a:p>
+          <a:p>
+            <a:pPr marL="800100" lvl="1" indent="-457200">
+              <a:buAutoNum type="arabicPeriod"/>
+            </a:pPr>
+            <a:r>
+              <a:rPr lang="ko-KR" altLang="en-US" sz="2000" b="1" dirty="0"/>
+              <a:t>논문 쓰기 </a:t>
+            </a:r>
+            <a:r>
+              <a:rPr lang="en-US" altLang="ko-KR" sz="2000" b="1" dirty="0"/>
+              <a:t>(~04/15)</a:t>
             </a:r>
             <a:endParaRPr lang="en-US" altLang="ko-KR" sz="1600" b="1" dirty="0"/>
           </a:p>
